--- a/presentaciones/Modulo 6 Componente Service .pptx
+++ b/presentaciones/Modulo 6 Componente Service .pptx
@@ -277,7 +277,7 @@
           <a:p>
             <a:fld id="{9947E4B7-F257-4C4C-887E-FAB8D4174B66}" type="datetimeFigureOut">
               <a:rPr lang="es-PE" smtClean="0"/>
-              <a:t>21/04/2025</a:t>
+              <a:t>30/04/2025</a:t>
             </a:fld>
             <a:endParaRPr lang="es-PE"/>
           </a:p>
@@ -692,7 +692,7 @@
           <a:p>
             <a:fld id="{9947E4B7-F257-4C4C-887E-FAB8D4174B66}" type="datetimeFigureOut">
               <a:rPr lang="es-PE" smtClean="0"/>
-              <a:t>21/04/2025</a:t>
+              <a:t>30/04/2025</a:t>
             </a:fld>
             <a:endParaRPr lang="es-PE"/>
           </a:p>
@@ -902,7 +902,7 @@
           <a:p>
             <a:fld id="{9947E4B7-F257-4C4C-887E-FAB8D4174B66}" type="datetimeFigureOut">
               <a:rPr lang="es-PE" smtClean="0"/>
-              <a:t>21/04/2025</a:t>
+              <a:t>30/04/2025</a:t>
             </a:fld>
             <a:endParaRPr lang="es-PE"/>
           </a:p>
@@ -1110,7 +1110,7 @@
           <a:p>
             <a:fld id="{9947E4B7-F257-4C4C-887E-FAB8D4174B66}" type="datetimeFigureOut">
               <a:rPr lang="es-PE" smtClean="0"/>
-              <a:t>21/04/2025</a:t>
+              <a:t>30/04/2025</a:t>
             </a:fld>
             <a:endParaRPr lang="es-PE"/>
           </a:p>
@@ -1601,7 +1601,7 @@
           <a:p>
             <a:fld id="{9947E4B7-F257-4C4C-887E-FAB8D4174B66}" type="datetimeFigureOut">
               <a:rPr lang="es-PE" smtClean="0"/>
-              <a:t>21/04/2025</a:t>
+              <a:t>30/04/2025</a:t>
             </a:fld>
             <a:endParaRPr lang="es-PE"/>
           </a:p>
@@ -2084,7 +2084,7 @@
           <a:p>
             <a:fld id="{9947E4B7-F257-4C4C-887E-FAB8D4174B66}" type="datetimeFigureOut">
               <a:rPr lang="es-PE" smtClean="0"/>
-              <a:t>21/04/2025</a:t>
+              <a:t>30/04/2025</a:t>
             </a:fld>
             <a:endParaRPr lang="es-PE"/>
           </a:p>
@@ -2499,7 +2499,7 @@
           <a:p>
             <a:fld id="{9947E4B7-F257-4C4C-887E-FAB8D4174B66}" type="datetimeFigureOut">
               <a:rPr lang="es-PE" smtClean="0"/>
-              <a:t>21/04/2025</a:t>
+              <a:t>30/04/2025</a:t>
             </a:fld>
             <a:endParaRPr lang="es-PE"/>
           </a:p>
@@ -2641,7 +2641,7 @@
           <a:p>
             <a:fld id="{9947E4B7-F257-4C4C-887E-FAB8D4174B66}" type="datetimeFigureOut">
               <a:rPr lang="es-PE" smtClean="0"/>
-              <a:t>21/04/2025</a:t>
+              <a:t>30/04/2025</a:t>
             </a:fld>
             <a:endParaRPr lang="es-PE"/>
           </a:p>
@@ -2754,7 +2754,7 @@
           <a:p>
             <a:fld id="{9947E4B7-F257-4C4C-887E-FAB8D4174B66}" type="datetimeFigureOut">
               <a:rPr lang="es-PE" smtClean="0"/>
-              <a:t>21/04/2025</a:t>
+              <a:t>30/04/2025</a:t>
             </a:fld>
             <a:endParaRPr lang="es-PE"/>
           </a:p>
@@ -3067,7 +3067,7 @@
           <a:p>
             <a:fld id="{9947E4B7-F257-4C4C-887E-FAB8D4174B66}" type="datetimeFigureOut">
               <a:rPr lang="es-PE" smtClean="0"/>
-              <a:t>21/04/2025</a:t>
+              <a:t>30/04/2025</a:t>
             </a:fld>
             <a:endParaRPr lang="es-PE"/>
           </a:p>
@@ -3360,7 +3360,7 @@
           <a:p>
             <a:fld id="{9947E4B7-F257-4C4C-887E-FAB8D4174B66}" type="datetimeFigureOut">
               <a:rPr lang="es-PE" smtClean="0"/>
-              <a:t>21/04/2025</a:t>
+              <a:t>30/04/2025</a:t>
             </a:fld>
             <a:endParaRPr lang="es-PE"/>
           </a:p>
@@ -3603,7 +3603,7 @@
           <a:p>
             <a:fld id="{9947E4B7-F257-4C4C-887E-FAB8D4174B66}" type="datetimeFigureOut">
               <a:rPr lang="es-PE" smtClean="0"/>
-              <a:t>21/04/2025</a:t>
+              <a:t>30/04/2025</a:t>
             </a:fld>
             <a:endParaRPr lang="es-PE"/>
           </a:p>
